--- a/Thesis/99_IMG/Translations.pptx
+++ b/Thesis/99_IMG/Translations.pptx
@@ -5,13 +5,14 @@
     <p:sldMasterId id="2147483648" r:id="rId1"/>
   </p:sldMasterIdLst>
   <p:notesMasterIdLst>
-    <p:notesMasterId r:id="rId6"/>
+    <p:notesMasterId r:id="rId7"/>
   </p:notesMasterIdLst>
   <p:sldIdLst>
     <p:sldId id="256" r:id="rId2"/>
     <p:sldId id="257" r:id="rId3"/>
     <p:sldId id="258" r:id="rId4"/>
-    <p:sldId id="259" r:id="rId5"/>
+    <p:sldId id="260" r:id="rId5"/>
+    <p:sldId id="259" r:id="rId6"/>
   </p:sldIdLst>
   <p:sldSz cx="12192000" cy="6858000"/>
   <p:notesSz cx="6858000" cy="9144000"/>
@@ -110,6 +111,14 @@
       </a:defRPr>
     </a:lvl9pPr>
   </p:defaultTextStyle>
+  <p:extLst>
+    <p:ext uri="{EFAFB233-063F-42B5-8137-9DF3F51BA10A}">
+      <p15:sldGuideLst xmlns:p15="http://schemas.microsoft.com/office/powerpoint/2012/main"/>
+    </p:ext>
+    <p:ext uri="{2D200454-40CA-4A62-9FC3-DE9A4176ACB9}">
+      <p15:notesGuideLst xmlns:p15="http://schemas.microsoft.com/office/powerpoint/2012/main"/>
+    </p:ext>
+  </p:extLst>
 </p:presentation>
 </file>
 
@@ -195,7 +204,7 @@
           <a:p>
             <a:fld id="{66E0D8C1-F869-264A-9046-6FAC5DD9F5A7}" type="datetimeFigureOut">
               <a:rPr lang="en-US" smtClean="0"/>
-              <a:t>11/23/18</a:t>
+              <a:t>1/11/19</a:t>
             </a:fld>
             <a:endParaRPr lang="en-US"/>
           </a:p>
@@ -671,7 +680,7 @@
           <a:p>
             <a:fld id="{BA726FFE-EA51-504B-AA56-AB054FEC427A}" type="datetimeFigureOut">
               <a:rPr lang="en-US" smtClean="0"/>
-              <a:t>11/23/18</a:t>
+              <a:t>1/11/19</a:t>
             </a:fld>
             <a:endParaRPr lang="en-US"/>
           </a:p>
@@ -846,7 +855,7 @@
           <a:p>
             <a:fld id="{BA726FFE-EA51-504B-AA56-AB054FEC427A}" type="datetimeFigureOut">
               <a:rPr lang="en-US" smtClean="0"/>
-              <a:t>11/23/18</a:t>
+              <a:t>1/11/19</a:t>
             </a:fld>
             <a:endParaRPr lang="en-US"/>
           </a:p>
@@ -1031,7 +1040,7 @@
           <a:p>
             <a:fld id="{BA726FFE-EA51-504B-AA56-AB054FEC427A}" type="datetimeFigureOut">
               <a:rPr lang="en-US" smtClean="0"/>
-              <a:t>11/23/18</a:t>
+              <a:t>1/11/19</a:t>
             </a:fld>
             <a:endParaRPr lang="en-US"/>
           </a:p>
@@ -1206,7 +1215,7 @@
           <a:p>
             <a:fld id="{BA726FFE-EA51-504B-AA56-AB054FEC427A}" type="datetimeFigureOut">
               <a:rPr lang="en-US" smtClean="0"/>
-              <a:t>11/23/18</a:t>
+              <a:t>1/11/19</a:t>
             </a:fld>
             <a:endParaRPr lang="en-US"/>
           </a:p>
@@ -1486,7 +1495,7 @@
           <a:p>
             <a:fld id="{BA726FFE-EA51-504B-AA56-AB054FEC427A}" type="datetimeFigureOut">
               <a:rPr lang="en-US" smtClean="0"/>
-              <a:t>11/23/18</a:t>
+              <a:t>1/11/19</a:t>
             </a:fld>
             <a:endParaRPr lang="en-US"/>
           </a:p>
@@ -1704,7 +1713,7 @@
           <a:p>
             <a:fld id="{BA726FFE-EA51-504B-AA56-AB054FEC427A}" type="datetimeFigureOut">
               <a:rPr lang="en-US" smtClean="0"/>
-              <a:t>11/23/18</a:t>
+              <a:t>1/11/19</a:t>
             </a:fld>
             <a:endParaRPr lang="en-US"/>
           </a:p>
@@ -2077,7 +2086,7 @@
           <a:p>
             <a:fld id="{BA726FFE-EA51-504B-AA56-AB054FEC427A}" type="datetimeFigureOut">
               <a:rPr lang="en-US" smtClean="0"/>
-              <a:t>11/23/18</a:t>
+              <a:t>1/11/19</a:t>
             </a:fld>
             <a:endParaRPr lang="en-US"/>
           </a:p>
@@ -2219,7 +2228,7 @@
           <a:p>
             <a:fld id="{BA726FFE-EA51-504B-AA56-AB054FEC427A}" type="datetimeFigureOut">
               <a:rPr lang="en-US" smtClean="0"/>
-              <a:t>11/23/18</a:t>
+              <a:t>1/11/19</a:t>
             </a:fld>
             <a:endParaRPr lang="en-US"/>
           </a:p>
@@ -2332,7 +2341,7 @@
           <a:p>
             <a:fld id="{BA726FFE-EA51-504B-AA56-AB054FEC427A}" type="datetimeFigureOut">
               <a:rPr lang="en-US" smtClean="0"/>
-              <a:t>11/23/18</a:t>
+              <a:t>1/11/19</a:t>
             </a:fld>
             <a:endParaRPr lang="en-US"/>
           </a:p>
@@ -2624,7 +2633,7 @@
           <a:p>
             <a:fld id="{BA726FFE-EA51-504B-AA56-AB054FEC427A}" type="datetimeFigureOut">
               <a:rPr lang="en-US" smtClean="0"/>
-              <a:t>11/23/18</a:t>
+              <a:t>1/11/19</a:t>
             </a:fld>
             <a:endParaRPr lang="en-US"/>
           </a:p>
@@ -2917,7 +2926,7 @@
           <a:p>
             <a:fld id="{BA726FFE-EA51-504B-AA56-AB054FEC427A}" type="datetimeFigureOut">
               <a:rPr lang="en-US" smtClean="0"/>
-              <a:t>11/23/18</a:t>
+              <a:t>1/11/19</a:t>
             </a:fld>
             <a:endParaRPr lang="en-US"/>
           </a:p>
@@ -3135,7 +3144,7 @@
           <a:p>
             <a:fld id="{BA726FFE-EA51-504B-AA56-AB054FEC427A}" type="datetimeFigureOut">
               <a:rPr lang="en-US" smtClean="0"/>
-              <a:t>11/23/18</a:t>
+              <a:t>1/11/19</a:t>
             </a:fld>
             <a:endParaRPr lang="en-US"/>
           </a:p>
@@ -6450,6 +6459,1543 @@
 </file>
 
 <file path=ppt/slides/slide4.xml><?xml version="1.0" encoding="utf-8"?>
+<p:sld xmlns:a="http://schemas.openxmlformats.org/drawingml/2006/main" xmlns:r="http://schemas.openxmlformats.org/officeDocument/2006/relationships" xmlns:p="http://schemas.openxmlformats.org/presentationml/2006/main">
+  <p:cSld>
+    <p:spTree>
+      <p:nvGrpSpPr>
+        <p:cNvPr id="1" name=""/>
+        <p:cNvGrpSpPr/>
+        <p:nvPr/>
+      </p:nvGrpSpPr>
+      <p:grpSpPr>
+        <a:xfrm>
+          <a:off x="0" y="0"/>
+          <a:ext cx="0" cy="0"/>
+          <a:chOff x="0" y="0"/>
+          <a:chExt cx="0" cy="0"/>
+        </a:xfrm>
+      </p:grpSpPr>
+      <p:sp>
+        <p:nvSpPr>
+          <p:cNvPr id="17" name="Bogen 16">
+            <a:extLst>
+              <a:ext uri="{FF2B5EF4-FFF2-40B4-BE49-F238E27FC236}">
+                <a16:creationId xmlns:a16="http://schemas.microsoft.com/office/drawing/2014/main" id="{52ECEC11-7E72-E94C-BC86-F2008A77259A}"/>
+              </a:ext>
+            </a:extLst>
+          </p:cNvPr>
+          <p:cNvSpPr/>
+          <p:nvPr/>
+        </p:nvSpPr>
+        <p:spPr>
+          <a:xfrm rot="10800000">
+            <a:off x="3991212" y="543726"/>
+            <a:ext cx="1692000" cy="1702760"/>
+          </a:xfrm>
+          <a:prstGeom prst="arc">
+            <a:avLst>
+              <a:gd name="adj1" fmla="val 16600460"/>
+              <a:gd name="adj2" fmla="val 5597671"/>
+            </a:avLst>
+          </a:prstGeom>
+          <a:ln w="107950" cap="sq">
+            <a:solidFill>
+              <a:schemeClr val="bg2">
+                <a:lumMod val="50000"/>
+              </a:schemeClr>
+            </a:solidFill>
+            <a:round/>
+            <a:tailEnd type="none" w="med" len="med"/>
+          </a:ln>
+        </p:spPr>
+        <p:style>
+          <a:lnRef idx="1">
+            <a:schemeClr val="accent1"/>
+          </a:lnRef>
+          <a:fillRef idx="0">
+            <a:schemeClr val="accent1"/>
+          </a:fillRef>
+          <a:effectRef idx="0">
+            <a:schemeClr val="accent1"/>
+          </a:effectRef>
+          <a:fontRef idx="minor">
+            <a:schemeClr val="tx1"/>
+          </a:fontRef>
+        </p:style>
+        <p:txBody>
+          <a:bodyPr rtlCol="0" anchor="ctr"/>
+          <a:lstStyle/>
+          <a:p>
+            <a:pPr algn="ctr"/>
+            <a:endParaRPr lang="en-US"/>
+          </a:p>
+        </p:txBody>
+      </p:sp>
+      <p:sp>
+        <p:nvSpPr>
+          <p:cNvPr id="15" name="Bogen 14">
+            <a:extLst>
+              <a:ext uri="{FF2B5EF4-FFF2-40B4-BE49-F238E27FC236}">
+                <a16:creationId xmlns:a16="http://schemas.microsoft.com/office/drawing/2014/main" id="{FCBD8EBC-F411-5143-92A1-0F13ADD6DCA9}"/>
+              </a:ext>
+            </a:extLst>
+          </p:cNvPr>
+          <p:cNvSpPr/>
+          <p:nvPr/>
+        </p:nvSpPr>
+        <p:spPr>
+          <a:xfrm rot="10800000">
+            <a:off x="1880843" y="593070"/>
+            <a:ext cx="1692000" cy="1692000"/>
+          </a:xfrm>
+          <a:prstGeom prst="arc">
+            <a:avLst>
+              <a:gd name="adj1" fmla="val 16600460"/>
+              <a:gd name="adj2" fmla="val 6241175"/>
+            </a:avLst>
+          </a:prstGeom>
+          <a:ln w="107950" cap="flat">
+            <a:solidFill>
+              <a:schemeClr val="bg2">
+                <a:lumMod val="50000"/>
+              </a:schemeClr>
+            </a:solidFill>
+            <a:bevel/>
+            <a:tailEnd type="none" w="med" len="med"/>
+          </a:ln>
+        </p:spPr>
+        <p:style>
+          <a:lnRef idx="1">
+            <a:schemeClr val="accent1"/>
+          </a:lnRef>
+          <a:fillRef idx="0">
+            <a:schemeClr val="accent1"/>
+          </a:fillRef>
+          <a:effectRef idx="0">
+            <a:schemeClr val="accent1"/>
+          </a:effectRef>
+          <a:fontRef idx="minor">
+            <a:schemeClr val="tx1"/>
+          </a:fontRef>
+        </p:style>
+        <p:txBody>
+          <a:bodyPr rtlCol="0" anchor="ctr"/>
+          <a:lstStyle/>
+          <a:p>
+            <a:pPr algn="ctr"/>
+            <a:endParaRPr lang="en-US"/>
+          </a:p>
+        </p:txBody>
+      </p:sp>
+      <p:sp>
+        <p:nvSpPr>
+          <p:cNvPr id="20" name="Bogen 19">
+            <a:extLst>
+              <a:ext uri="{FF2B5EF4-FFF2-40B4-BE49-F238E27FC236}">
+                <a16:creationId xmlns:a16="http://schemas.microsoft.com/office/drawing/2014/main" id="{E949A5EA-BF85-A84E-BDC0-B0A1C344B086}"/>
+              </a:ext>
+            </a:extLst>
+          </p:cNvPr>
+          <p:cNvSpPr/>
+          <p:nvPr/>
+        </p:nvSpPr>
+        <p:spPr>
+          <a:xfrm rot="10800000">
+            <a:off x="6133855" y="543726"/>
+            <a:ext cx="1692000" cy="1707208"/>
+          </a:xfrm>
+          <a:prstGeom prst="arc">
+            <a:avLst>
+              <a:gd name="adj1" fmla="val 16600460"/>
+              <a:gd name="adj2" fmla="val 5960609"/>
+            </a:avLst>
+          </a:prstGeom>
+          <a:ln w="107950" cap="sq">
+            <a:solidFill>
+              <a:schemeClr val="bg2">
+                <a:lumMod val="50000"/>
+              </a:schemeClr>
+            </a:solidFill>
+            <a:round/>
+            <a:tailEnd type="none" w="med" len="med"/>
+          </a:ln>
+        </p:spPr>
+        <p:style>
+          <a:lnRef idx="1">
+            <a:schemeClr val="accent1"/>
+          </a:lnRef>
+          <a:fillRef idx="0">
+            <a:schemeClr val="accent1"/>
+          </a:fillRef>
+          <a:effectRef idx="0">
+            <a:schemeClr val="accent1"/>
+          </a:effectRef>
+          <a:fontRef idx="minor">
+            <a:schemeClr val="tx1"/>
+          </a:fontRef>
+        </p:style>
+        <p:txBody>
+          <a:bodyPr rtlCol="0" anchor="ctr"/>
+          <a:lstStyle/>
+          <a:p>
+            <a:pPr algn="ctr"/>
+            <a:endParaRPr lang="en-US"/>
+          </a:p>
+        </p:txBody>
+      </p:sp>
+      <p:sp>
+        <p:nvSpPr>
+          <p:cNvPr id="23" name="Bogen 22">
+            <a:extLst>
+              <a:ext uri="{FF2B5EF4-FFF2-40B4-BE49-F238E27FC236}">
+                <a16:creationId xmlns:a16="http://schemas.microsoft.com/office/drawing/2014/main" id="{371B150A-5A39-164D-9C91-685533462549}"/>
+              </a:ext>
+            </a:extLst>
+          </p:cNvPr>
+          <p:cNvSpPr/>
+          <p:nvPr/>
+        </p:nvSpPr>
+        <p:spPr>
+          <a:xfrm rot="10800000">
+            <a:off x="8233466" y="517525"/>
+            <a:ext cx="1692000" cy="1727097"/>
+          </a:xfrm>
+          <a:prstGeom prst="arc">
+            <a:avLst>
+              <a:gd name="adj1" fmla="val 16600460"/>
+              <a:gd name="adj2" fmla="val 5868260"/>
+            </a:avLst>
+          </a:prstGeom>
+          <a:ln w="107950" cap="sq">
+            <a:solidFill>
+              <a:schemeClr val="bg2">
+                <a:lumMod val="50000"/>
+              </a:schemeClr>
+            </a:solidFill>
+            <a:round/>
+            <a:tailEnd type="none" w="med" len="med"/>
+          </a:ln>
+        </p:spPr>
+        <p:style>
+          <a:lnRef idx="1">
+            <a:schemeClr val="accent1"/>
+          </a:lnRef>
+          <a:fillRef idx="0">
+            <a:schemeClr val="accent1"/>
+          </a:fillRef>
+          <a:effectRef idx="0">
+            <a:schemeClr val="accent1"/>
+          </a:effectRef>
+          <a:fontRef idx="minor">
+            <a:schemeClr val="tx1"/>
+          </a:fontRef>
+        </p:style>
+        <p:txBody>
+          <a:bodyPr rtlCol="0" anchor="ctr"/>
+          <a:lstStyle/>
+          <a:p>
+            <a:pPr algn="ctr"/>
+            <a:endParaRPr lang="en-US"/>
+          </a:p>
+        </p:txBody>
+      </p:sp>
+      <p:sp>
+        <p:nvSpPr>
+          <p:cNvPr id="5" name="Freihandform 4">
+            <a:extLst>
+              <a:ext uri="{FF2B5EF4-FFF2-40B4-BE49-F238E27FC236}">
+                <a16:creationId xmlns:a16="http://schemas.microsoft.com/office/drawing/2014/main" id="{5224CA9F-4C91-874D-AEA6-3BB8B37F6E81}"/>
+              </a:ext>
+            </a:extLst>
+          </p:cNvPr>
+          <p:cNvSpPr/>
+          <p:nvPr/>
+        </p:nvSpPr>
+        <p:spPr>
+          <a:xfrm>
+            <a:off x="744827" y="953037"/>
+            <a:ext cx="10728101" cy="1030309"/>
+          </a:xfrm>
+          <a:custGeom>
+            <a:avLst/>
+            <a:gdLst>
+              <a:gd name="connsiteX0" fmla="*/ 0 w 10728101"/>
+              <a:gd name="connsiteY0" fmla="*/ 231819 h 1030309"/>
+              <a:gd name="connsiteX1" fmla="*/ 0 w 10728101"/>
+              <a:gd name="connsiteY1" fmla="*/ 798490 h 1030309"/>
+              <a:gd name="connsiteX2" fmla="*/ 9890974 w 10728101"/>
+              <a:gd name="connsiteY2" fmla="*/ 914400 h 1030309"/>
+              <a:gd name="connsiteX3" fmla="*/ 9890974 w 10728101"/>
+              <a:gd name="connsiteY3" fmla="*/ 1030309 h 1030309"/>
+              <a:gd name="connsiteX4" fmla="*/ 10728101 w 10728101"/>
+              <a:gd name="connsiteY4" fmla="*/ 502276 h 1030309"/>
+              <a:gd name="connsiteX5" fmla="*/ 9878095 w 10728101"/>
+              <a:gd name="connsiteY5" fmla="*/ 0 h 1030309"/>
+              <a:gd name="connsiteX6" fmla="*/ 9878095 w 10728101"/>
+              <a:gd name="connsiteY6" fmla="*/ 115909 h 1030309"/>
+              <a:gd name="connsiteX7" fmla="*/ 0 w 10728101"/>
+              <a:gd name="connsiteY7" fmla="*/ 231819 h 1030309"/>
+            </a:gdLst>
+            <a:ahLst/>
+            <a:cxnLst>
+              <a:cxn ang="0">
+                <a:pos x="connsiteX0" y="connsiteY0"/>
+              </a:cxn>
+              <a:cxn ang="0">
+                <a:pos x="connsiteX1" y="connsiteY1"/>
+              </a:cxn>
+              <a:cxn ang="0">
+                <a:pos x="connsiteX2" y="connsiteY2"/>
+              </a:cxn>
+              <a:cxn ang="0">
+                <a:pos x="connsiteX3" y="connsiteY3"/>
+              </a:cxn>
+              <a:cxn ang="0">
+                <a:pos x="connsiteX4" y="connsiteY4"/>
+              </a:cxn>
+              <a:cxn ang="0">
+                <a:pos x="connsiteX5" y="connsiteY5"/>
+              </a:cxn>
+              <a:cxn ang="0">
+                <a:pos x="connsiteX6" y="connsiteY6"/>
+              </a:cxn>
+              <a:cxn ang="0">
+                <a:pos x="connsiteX7" y="connsiteY7"/>
+              </a:cxn>
+            </a:cxnLst>
+            <a:rect l="l" t="t" r="r" b="b"/>
+            <a:pathLst>
+              <a:path w="10728101" h="1030309">
+                <a:moveTo>
+                  <a:pt x="0" y="231819"/>
+                </a:moveTo>
+                <a:lnTo>
+                  <a:pt x="0" y="798490"/>
+                </a:lnTo>
+                <a:lnTo>
+                  <a:pt x="9890974" y="914400"/>
+                </a:lnTo>
+                <a:lnTo>
+                  <a:pt x="9890974" y="1030309"/>
+                </a:lnTo>
+                <a:lnTo>
+                  <a:pt x="10728101" y="502276"/>
+                </a:lnTo>
+                <a:lnTo>
+                  <a:pt x="9878095" y="0"/>
+                </a:lnTo>
+                <a:lnTo>
+                  <a:pt x="9878095" y="115909"/>
+                </a:lnTo>
+                <a:lnTo>
+                  <a:pt x="0" y="231819"/>
+                </a:lnTo>
+                <a:close/>
+              </a:path>
+            </a:pathLst>
+          </a:custGeom>
+          <a:gradFill flip="none" rotWithShape="1">
+            <a:gsLst>
+              <a:gs pos="84000">
+                <a:schemeClr val="bg1">
+                  <a:lumMod val="65000"/>
+                </a:schemeClr>
+              </a:gs>
+              <a:gs pos="67000">
+                <a:schemeClr val="bg1">
+                  <a:lumMod val="85000"/>
+                </a:schemeClr>
+              </a:gs>
+            </a:gsLst>
+            <a:path path="circle">
+              <a:fillToRect t="100000" r="100000"/>
+            </a:path>
+            <a:tileRect l="-100000" b="-100000"/>
+          </a:gradFill>
+          <a:ln w="28575">
+            <a:noFill/>
+          </a:ln>
+        </p:spPr>
+        <p:style>
+          <a:lnRef idx="2">
+            <a:schemeClr val="accent1">
+              <a:shade val="50000"/>
+            </a:schemeClr>
+          </a:lnRef>
+          <a:fillRef idx="1">
+            <a:schemeClr val="accent1"/>
+          </a:fillRef>
+          <a:effectRef idx="0">
+            <a:schemeClr val="accent1"/>
+          </a:effectRef>
+          <a:fontRef idx="minor">
+            <a:schemeClr val="lt1"/>
+          </a:fontRef>
+        </p:style>
+        <p:txBody>
+          <a:bodyPr rtlCol="0" anchor="ctr"/>
+          <a:lstStyle/>
+          <a:p>
+            <a:pPr algn="ctr"/>
+            <a:endParaRPr lang="en-US" dirty="0"/>
+          </a:p>
+        </p:txBody>
+      </p:sp>
+      <p:sp>
+        <p:nvSpPr>
+          <p:cNvPr id="6" name="Textfeld 5">
+            <a:extLst>
+              <a:ext uri="{FF2B5EF4-FFF2-40B4-BE49-F238E27FC236}">
+                <a16:creationId xmlns:a16="http://schemas.microsoft.com/office/drawing/2014/main" id="{90A91DCF-DF94-2146-8EE9-57ED67DEDEF2}"/>
+              </a:ext>
+            </a:extLst>
+          </p:cNvPr>
+          <p:cNvSpPr txBox="1"/>
+          <p:nvPr/>
+        </p:nvSpPr>
+        <p:spPr>
+          <a:xfrm>
+            <a:off x="1998843" y="1242911"/>
+            <a:ext cx="1426994" cy="400110"/>
+          </a:xfrm>
+          <a:prstGeom prst="rect">
+            <a:avLst/>
+          </a:prstGeom>
+          <a:noFill/>
+        </p:spPr>
+        <p:txBody>
+          <a:bodyPr wrap="none" rtlCol="0">
+            <a:spAutoFit/>
+          </a:bodyPr>
+          <a:lstStyle/>
+          <a:p>
+            <a:r>
+              <a:rPr lang="en-US" sz="2000" spc="300" dirty="0"/>
+              <a:t>EINBLICK</a:t>
+            </a:r>
+          </a:p>
+        </p:txBody>
+      </p:sp>
+      <p:sp>
+        <p:nvSpPr>
+          <p:cNvPr id="7" name="Textfeld 6">
+            <a:extLst>
+              <a:ext uri="{FF2B5EF4-FFF2-40B4-BE49-F238E27FC236}">
+                <a16:creationId xmlns:a16="http://schemas.microsoft.com/office/drawing/2014/main" id="{FB01D883-E1A4-A741-A942-2B951F825ACD}"/>
+              </a:ext>
+            </a:extLst>
+          </p:cNvPr>
+          <p:cNvSpPr txBox="1"/>
+          <p:nvPr/>
+        </p:nvSpPr>
+        <p:spPr>
+          <a:xfrm>
+            <a:off x="4157729" y="1239209"/>
+            <a:ext cx="1485407" cy="400110"/>
+          </a:xfrm>
+          <a:prstGeom prst="rect">
+            <a:avLst/>
+          </a:prstGeom>
+          <a:noFill/>
+        </p:spPr>
+        <p:txBody>
+          <a:bodyPr wrap="none" rtlCol="0">
+            <a:spAutoFit/>
+          </a:bodyPr>
+          <a:lstStyle/>
+          <a:p>
+            <a:r>
+              <a:rPr lang="en-US" sz="2000" spc="300" dirty="0"/>
+              <a:t>PROBLEM</a:t>
+            </a:r>
+          </a:p>
+        </p:txBody>
+      </p:sp>
+      <p:sp>
+        <p:nvSpPr>
+          <p:cNvPr id="8" name="Textfeld 7">
+            <a:extLst>
+              <a:ext uri="{FF2B5EF4-FFF2-40B4-BE49-F238E27FC236}">
+                <a16:creationId xmlns:a16="http://schemas.microsoft.com/office/drawing/2014/main" id="{092B6BDE-BA55-1F45-811B-C3C25DF3F9EB}"/>
+              </a:ext>
+            </a:extLst>
+          </p:cNvPr>
+          <p:cNvSpPr txBox="1"/>
+          <p:nvPr/>
+        </p:nvSpPr>
+        <p:spPr>
+          <a:xfrm>
+            <a:off x="6199789" y="1239209"/>
+            <a:ext cx="1528816" cy="400110"/>
+          </a:xfrm>
+          <a:prstGeom prst="rect">
+            <a:avLst/>
+          </a:prstGeom>
+          <a:noFill/>
+        </p:spPr>
+        <p:txBody>
+          <a:bodyPr wrap="none" rtlCol="0">
+            <a:spAutoFit/>
+          </a:bodyPr>
+          <a:lstStyle/>
+          <a:p>
+            <a:r>
+              <a:rPr lang="en-US" sz="2000" spc="300" dirty="0"/>
+              <a:t>ERGEBNIS</a:t>
+            </a:r>
+          </a:p>
+        </p:txBody>
+      </p:sp>
+      <p:sp>
+        <p:nvSpPr>
+          <p:cNvPr id="9" name="Textfeld 8">
+            <a:extLst>
+              <a:ext uri="{FF2B5EF4-FFF2-40B4-BE49-F238E27FC236}">
+                <a16:creationId xmlns:a16="http://schemas.microsoft.com/office/drawing/2014/main" id="{A4056299-52C4-1240-8881-3973D60D9E7E}"/>
+              </a:ext>
+            </a:extLst>
+          </p:cNvPr>
+          <p:cNvSpPr txBox="1"/>
+          <p:nvPr/>
+        </p:nvSpPr>
+        <p:spPr>
+          <a:xfrm>
+            <a:off x="8399930" y="1114248"/>
+            <a:ext cx="1504643" cy="707886"/>
+          </a:xfrm>
+          <a:prstGeom prst="rect">
+            <a:avLst/>
+          </a:prstGeom>
+          <a:noFill/>
+        </p:spPr>
+        <p:txBody>
+          <a:bodyPr wrap="none" rtlCol="0">
+            <a:spAutoFit/>
+          </a:bodyPr>
+          <a:lstStyle/>
+          <a:p>
+            <a:r>
+              <a:rPr lang="en-US" sz="2000" spc="300" dirty="0"/>
+              <a:t>BUSINESS</a:t>
+            </a:r>
+          </a:p>
+          <a:p>
+            <a:pPr algn="ctr"/>
+            <a:r>
+              <a:rPr lang="en-US" sz="2000" spc="300" dirty="0"/>
+              <a:t>MODELL</a:t>
+            </a:r>
+          </a:p>
+        </p:txBody>
+      </p:sp>
+      <p:sp>
+        <p:nvSpPr>
+          <p:cNvPr id="10" name="Textfeld 9">
+            <a:extLst>
+              <a:ext uri="{FF2B5EF4-FFF2-40B4-BE49-F238E27FC236}">
+                <a16:creationId xmlns:a16="http://schemas.microsoft.com/office/drawing/2014/main" id="{8656F8F6-09B6-7B48-8F92-9A5D985B1160}"/>
+              </a:ext>
+            </a:extLst>
+          </p:cNvPr>
+          <p:cNvSpPr txBox="1"/>
+          <p:nvPr/>
+        </p:nvSpPr>
+        <p:spPr>
+          <a:xfrm>
+            <a:off x="10091316" y="1268136"/>
+            <a:ext cx="1311578" cy="400110"/>
+          </a:xfrm>
+          <a:prstGeom prst="rect">
+            <a:avLst/>
+          </a:prstGeom>
+          <a:noFill/>
+        </p:spPr>
+        <p:txBody>
+          <a:bodyPr wrap="none" rtlCol="0">
+            <a:spAutoFit/>
+          </a:bodyPr>
+          <a:lstStyle/>
+          <a:p>
+            <a:r>
+              <a:rPr lang="en-US" sz="2000" dirty="0">
+                <a:solidFill>
+                  <a:schemeClr val="bg1"/>
+                </a:solidFill>
+              </a:rPr>
+              <a:t>SKALIEREN</a:t>
+            </a:r>
+          </a:p>
+        </p:txBody>
+      </p:sp>
+      <p:sp>
+        <p:nvSpPr>
+          <p:cNvPr id="12" name="Bogen 11">
+            <a:extLst>
+              <a:ext uri="{FF2B5EF4-FFF2-40B4-BE49-F238E27FC236}">
+                <a16:creationId xmlns:a16="http://schemas.microsoft.com/office/drawing/2014/main" id="{4F678CC9-BFBE-AA42-9DCC-73D7BE95800F}"/>
+              </a:ext>
+            </a:extLst>
+          </p:cNvPr>
+          <p:cNvSpPr/>
+          <p:nvPr/>
+        </p:nvSpPr>
+        <p:spPr>
+          <a:xfrm>
+            <a:off x="1914861" y="593070"/>
+            <a:ext cx="1692000" cy="1692000"/>
+          </a:xfrm>
+          <a:prstGeom prst="arc">
+            <a:avLst>
+              <a:gd name="adj1" fmla="val 18698418"/>
+              <a:gd name="adj2" fmla="val 5579748"/>
+            </a:avLst>
+          </a:prstGeom>
+          <a:ln w="107950" cap="flat">
+            <a:solidFill>
+              <a:schemeClr val="bg2">
+                <a:lumMod val="50000"/>
+              </a:schemeClr>
+            </a:solidFill>
+            <a:bevel/>
+            <a:tailEnd type="stealth" w="med" len="med"/>
+          </a:ln>
+        </p:spPr>
+        <p:style>
+          <a:lnRef idx="1">
+            <a:schemeClr val="accent1"/>
+          </a:lnRef>
+          <a:fillRef idx="0">
+            <a:schemeClr val="accent1"/>
+          </a:fillRef>
+          <a:effectRef idx="0">
+            <a:schemeClr val="accent1"/>
+          </a:effectRef>
+          <a:fontRef idx="minor">
+            <a:schemeClr val="tx1"/>
+          </a:fontRef>
+        </p:style>
+        <p:txBody>
+          <a:bodyPr rtlCol="0" anchor="ctr"/>
+          <a:lstStyle/>
+          <a:p>
+            <a:pPr algn="ctr"/>
+            <a:endParaRPr lang="en-US"/>
+          </a:p>
+        </p:txBody>
+      </p:sp>
+      <p:sp>
+        <p:nvSpPr>
+          <p:cNvPr id="13" name="Bogen 12">
+            <a:extLst>
+              <a:ext uri="{FF2B5EF4-FFF2-40B4-BE49-F238E27FC236}">
+                <a16:creationId xmlns:a16="http://schemas.microsoft.com/office/drawing/2014/main" id="{4BD98059-3583-0045-92AA-754DACB81FB9}"/>
+              </a:ext>
+            </a:extLst>
+          </p:cNvPr>
+          <p:cNvSpPr/>
+          <p:nvPr/>
+        </p:nvSpPr>
+        <p:spPr>
+          <a:xfrm rot="16027187">
+            <a:off x="673660" y="-748397"/>
+            <a:ext cx="1597306" cy="3975212"/>
+          </a:xfrm>
+          <a:prstGeom prst="arc">
+            <a:avLst>
+              <a:gd name="adj1" fmla="val 20873785"/>
+              <a:gd name="adj2" fmla="val 4735321"/>
+            </a:avLst>
+          </a:prstGeom>
+          <a:ln w="107950" cap="flat">
+            <a:solidFill>
+              <a:schemeClr val="bg2">
+                <a:lumMod val="50000"/>
+              </a:schemeClr>
+            </a:solidFill>
+            <a:bevel/>
+            <a:tailEnd type="stealth" w="med" len="med"/>
+          </a:ln>
+        </p:spPr>
+        <p:style>
+          <a:lnRef idx="1">
+            <a:schemeClr val="accent1"/>
+          </a:lnRef>
+          <a:fillRef idx="0">
+            <a:schemeClr val="accent1"/>
+          </a:fillRef>
+          <a:effectRef idx="0">
+            <a:schemeClr val="accent1"/>
+          </a:effectRef>
+          <a:fontRef idx="minor">
+            <a:schemeClr val="tx1"/>
+          </a:fontRef>
+        </p:style>
+        <p:txBody>
+          <a:bodyPr rtlCol="0" anchor="ctr"/>
+          <a:lstStyle/>
+          <a:p>
+            <a:pPr algn="ctr"/>
+            <a:endParaRPr lang="en-US"/>
+          </a:p>
+        </p:txBody>
+      </p:sp>
+      <p:sp>
+        <p:nvSpPr>
+          <p:cNvPr id="16" name="Bogen 15">
+            <a:extLst>
+              <a:ext uri="{FF2B5EF4-FFF2-40B4-BE49-F238E27FC236}">
+                <a16:creationId xmlns:a16="http://schemas.microsoft.com/office/drawing/2014/main" id="{6ED814DE-A499-5F4A-96C7-AA0E6F7FB43D}"/>
+              </a:ext>
+            </a:extLst>
+          </p:cNvPr>
+          <p:cNvSpPr/>
+          <p:nvPr/>
+        </p:nvSpPr>
+        <p:spPr>
+          <a:xfrm rot="16027187">
+            <a:off x="3071462" y="-797771"/>
+            <a:ext cx="1205975" cy="3667667"/>
+          </a:xfrm>
+          <a:prstGeom prst="arc">
+            <a:avLst>
+              <a:gd name="adj1" fmla="val 17721116"/>
+              <a:gd name="adj2" fmla="val 5062615"/>
+            </a:avLst>
+          </a:prstGeom>
+          <a:ln w="107950" cap="flat">
+            <a:solidFill>
+              <a:schemeClr val="bg2">
+                <a:lumMod val="50000"/>
+              </a:schemeClr>
+            </a:solidFill>
+            <a:bevel/>
+            <a:tailEnd type="stealth" w="med" len="med"/>
+          </a:ln>
+        </p:spPr>
+        <p:style>
+          <a:lnRef idx="1">
+            <a:schemeClr val="accent1"/>
+          </a:lnRef>
+          <a:fillRef idx="0">
+            <a:schemeClr val="accent1"/>
+          </a:fillRef>
+          <a:effectRef idx="0">
+            <a:schemeClr val="accent1"/>
+          </a:effectRef>
+          <a:fontRef idx="minor">
+            <a:schemeClr val="tx1"/>
+          </a:fontRef>
+        </p:style>
+        <p:txBody>
+          <a:bodyPr rtlCol="0" anchor="ctr"/>
+          <a:lstStyle/>
+          <a:p>
+            <a:pPr algn="ctr"/>
+            <a:endParaRPr lang="en-US"/>
+          </a:p>
+        </p:txBody>
+      </p:sp>
+      <p:sp>
+        <p:nvSpPr>
+          <p:cNvPr id="18" name="Bogen 17">
+            <a:extLst>
+              <a:ext uri="{FF2B5EF4-FFF2-40B4-BE49-F238E27FC236}">
+                <a16:creationId xmlns:a16="http://schemas.microsoft.com/office/drawing/2014/main" id="{13492B31-2C38-4A47-9F71-BA48578B67C1}"/>
+              </a:ext>
+            </a:extLst>
+          </p:cNvPr>
+          <p:cNvSpPr/>
+          <p:nvPr/>
+        </p:nvSpPr>
+        <p:spPr>
+          <a:xfrm>
+            <a:off x="4025230" y="576002"/>
+            <a:ext cx="1692000" cy="1692000"/>
+          </a:xfrm>
+          <a:prstGeom prst="arc">
+            <a:avLst>
+              <a:gd name="adj1" fmla="val 18698418"/>
+              <a:gd name="adj2" fmla="val 5579748"/>
+            </a:avLst>
+          </a:prstGeom>
+          <a:ln w="107950" cap="flat">
+            <a:solidFill>
+              <a:schemeClr val="bg2">
+                <a:lumMod val="50000"/>
+              </a:schemeClr>
+            </a:solidFill>
+            <a:bevel/>
+            <a:tailEnd type="stealth" w="med" len="med"/>
+          </a:ln>
+        </p:spPr>
+        <p:style>
+          <a:lnRef idx="1">
+            <a:schemeClr val="accent1"/>
+          </a:lnRef>
+          <a:fillRef idx="0">
+            <a:schemeClr val="accent1"/>
+          </a:fillRef>
+          <a:effectRef idx="0">
+            <a:schemeClr val="accent1"/>
+          </a:effectRef>
+          <a:fontRef idx="minor">
+            <a:schemeClr val="tx1"/>
+          </a:fontRef>
+        </p:style>
+        <p:txBody>
+          <a:bodyPr rtlCol="0" anchor="ctr"/>
+          <a:lstStyle/>
+          <a:p>
+            <a:pPr algn="ctr"/>
+            <a:endParaRPr lang="en-US"/>
+          </a:p>
+        </p:txBody>
+      </p:sp>
+      <p:sp>
+        <p:nvSpPr>
+          <p:cNvPr id="19" name="Bogen 18">
+            <a:extLst>
+              <a:ext uri="{FF2B5EF4-FFF2-40B4-BE49-F238E27FC236}">
+                <a16:creationId xmlns:a16="http://schemas.microsoft.com/office/drawing/2014/main" id="{3C52710A-2AB2-D04A-8667-D48DFFA7F48A}"/>
+              </a:ext>
+            </a:extLst>
+          </p:cNvPr>
+          <p:cNvSpPr/>
+          <p:nvPr/>
+        </p:nvSpPr>
+        <p:spPr>
+          <a:xfrm rot="16027187">
+            <a:off x="5181831" y="-814839"/>
+            <a:ext cx="1205975" cy="3667667"/>
+          </a:xfrm>
+          <a:prstGeom prst="arc">
+            <a:avLst>
+              <a:gd name="adj1" fmla="val 18104843"/>
+              <a:gd name="adj2" fmla="val 5062615"/>
+            </a:avLst>
+          </a:prstGeom>
+          <a:ln w="107950" cap="flat">
+            <a:solidFill>
+              <a:schemeClr val="bg2">
+                <a:lumMod val="50000"/>
+              </a:schemeClr>
+            </a:solidFill>
+            <a:bevel/>
+            <a:tailEnd type="stealth" w="med" len="med"/>
+          </a:ln>
+        </p:spPr>
+        <p:style>
+          <a:lnRef idx="1">
+            <a:schemeClr val="accent1"/>
+          </a:lnRef>
+          <a:fillRef idx="0">
+            <a:schemeClr val="accent1"/>
+          </a:fillRef>
+          <a:effectRef idx="0">
+            <a:schemeClr val="accent1"/>
+          </a:effectRef>
+          <a:fontRef idx="minor">
+            <a:schemeClr val="tx1"/>
+          </a:fontRef>
+        </p:style>
+        <p:txBody>
+          <a:bodyPr rtlCol="0" anchor="ctr"/>
+          <a:lstStyle/>
+          <a:p>
+            <a:pPr algn="ctr"/>
+            <a:endParaRPr lang="en-US"/>
+          </a:p>
+        </p:txBody>
+      </p:sp>
+      <p:sp>
+        <p:nvSpPr>
+          <p:cNvPr id="21" name="Bogen 20">
+            <a:extLst>
+              <a:ext uri="{FF2B5EF4-FFF2-40B4-BE49-F238E27FC236}">
+                <a16:creationId xmlns:a16="http://schemas.microsoft.com/office/drawing/2014/main" id="{D1AE2B3F-9785-C14A-8C7F-848940C558A5}"/>
+              </a:ext>
+            </a:extLst>
+          </p:cNvPr>
+          <p:cNvSpPr/>
+          <p:nvPr/>
+        </p:nvSpPr>
+        <p:spPr>
+          <a:xfrm>
+            <a:off x="6167873" y="580450"/>
+            <a:ext cx="1692000" cy="1692000"/>
+          </a:xfrm>
+          <a:prstGeom prst="arc">
+            <a:avLst>
+              <a:gd name="adj1" fmla="val 18698418"/>
+              <a:gd name="adj2" fmla="val 5579748"/>
+            </a:avLst>
+          </a:prstGeom>
+          <a:ln w="107950" cap="flat">
+            <a:solidFill>
+              <a:schemeClr val="bg2">
+                <a:lumMod val="50000"/>
+              </a:schemeClr>
+            </a:solidFill>
+            <a:bevel/>
+            <a:tailEnd type="stealth" w="med" len="med"/>
+          </a:ln>
+        </p:spPr>
+        <p:style>
+          <a:lnRef idx="1">
+            <a:schemeClr val="accent1"/>
+          </a:lnRef>
+          <a:fillRef idx="0">
+            <a:schemeClr val="accent1"/>
+          </a:fillRef>
+          <a:effectRef idx="0">
+            <a:schemeClr val="accent1"/>
+          </a:effectRef>
+          <a:fontRef idx="minor">
+            <a:schemeClr val="tx1"/>
+          </a:fontRef>
+        </p:style>
+        <p:txBody>
+          <a:bodyPr rtlCol="0" anchor="ctr"/>
+          <a:lstStyle/>
+          <a:p>
+            <a:pPr algn="ctr"/>
+            <a:endParaRPr lang="en-US"/>
+          </a:p>
+        </p:txBody>
+      </p:sp>
+      <p:sp>
+        <p:nvSpPr>
+          <p:cNvPr id="22" name="Bogen 21">
+            <a:extLst>
+              <a:ext uri="{FF2B5EF4-FFF2-40B4-BE49-F238E27FC236}">
+                <a16:creationId xmlns:a16="http://schemas.microsoft.com/office/drawing/2014/main" id="{E0AB9660-75C6-3B4B-8650-1CC92EE5D20C}"/>
+              </a:ext>
+            </a:extLst>
+          </p:cNvPr>
+          <p:cNvSpPr/>
+          <p:nvPr/>
+        </p:nvSpPr>
+        <p:spPr>
+          <a:xfrm rot="16027187">
+            <a:off x="7324474" y="-810391"/>
+            <a:ext cx="1205975" cy="3667667"/>
+          </a:xfrm>
+          <a:prstGeom prst="arc">
+            <a:avLst>
+              <a:gd name="adj1" fmla="val 18047879"/>
+              <a:gd name="adj2" fmla="val 5062615"/>
+            </a:avLst>
+          </a:prstGeom>
+          <a:ln w="107950" cap="rnd">
+            <a:solidFill>
+              <a:schemeClr val="bg2">
+                <a:lumMod val="50000"/>
+              </a:schemeClr>
+            </a:solidFill>
+            <a:round/>
+            <a:tailEnd type="stealth" w="med" len="med"/>
+          </a:ln>
+          <a:effectLst>
+            <a:softEdge rad="0"/>
+          </a:effectLst>
+        </p:spPr>
+        <p:style>
+          <a:lnRef idx="1">
+            <a:schemeClr val="accent1"/>
+          </a:lnRef>
+          <a:fillRef idx="0">
+            <a:schemeClr val="accent1"/>
+          </a:fillRef>
+          <a:effectRef idx="0">
+            <a:schemeClr val="accent1"/>
+          </a:effectRef>
+          <a:fontRef idx="minor">
+            <a:schemeClr val="tx1"/>
+          </a:fontRef>
+        </p:style>
+        <p:txBody>
+          <a:bodyPr rtlCol="0" anchor="ctr"/>
+          <a:lstStyle/>
+          <a:p>
+            <a:pPr algn="ctr"/>
+            <a:endParaRPr lang="en-US"/>
+          </a:p>
+        </p:txBody>
+      </p:sp>
+      <p:sp>
+        <p:nvSpPr>
+          <p:cNvPr id="24" name="Bogen 23">
+            <a:extLst>
+              <a:ext uri="{FF2B5EF4-FFF2-40B4-BE49-F238E27FC236}">
+                <a16:creationId xmlns:a16="http://schemas.microsoft.com/office/drawing/2014/main" id="{116466AE-E889-014B-8480-7821FCD5EF32}"/>
+              </a:ext>
+            </a:extLst>
+          </p:cNvPr>
+          <p:cNvSpPr/>
+          <p:nvPr/>
+        </p:nvSpPr>
+        <p:spPr>
+          <a:xfrm>
+            <a:off x="8267484" y="584898"/>
+            <a:ext cx="1692000" cy="1692000"/>
+          </a:xfrm>
+          <a:prstGeom prst="arc">
+            <a:avLst>
+              <a:gd name="adj1" fmla="val 18698418"/>
+              <a:gd name="adj2" fmla="val 5579748"/>
+            </a:avLst>
+          </a:prstGeom>
+          <a:ln w="107950" cap="flat">
+            <a:solidFill>
+              <a:schemeClr val="bg2">
+                <a:lumMod val="50000"/>
+              </a:schemeClr>
+            </a:solidFill>
+            <a:bevel/>
+            <a:tailEnd type="stealth" w="med" len="med"/>
+          </a:ln>
+        </p:spPr>
+        <p:style>
+          <a:lnRef idx="1">
+            <a:schemeClr val="accent1"/>
+          </a:lnRef>
+          <a:fillRef idx="0">
+            <a:schemeClr val="accent1"/>
+          </a:fillRef>
+          <a:effectRef idx="0">
+            <a:schemeClr val="accent1"/>
+          </a:effectRef>
+          <a:fontRef idx="minor">
+            <a:schemeClr val="tx1"/>
+          </a:fontRef>
+        </p:style>
+        <p:txBody>
+          <a:bodyPr rtlCol="0" anchor="ctr"/>
+          <a:lstStyle/>
+          <a:p>
+            <a:pPr algn="ctr"/>
+            <a:endParaRPr lang="en-US"/>
+          </a:p>
+        </p:txBody>
+      </p:sp>
+      <p:sp>
+        <p:nvSpPr>
+          <p:cNvPr id="25" name="Bogen 24">
+            <a:extLst>
+              <a:ext uri="{FF2B5EF4-FFF2-40B4-BE49-F238E27FC236}">
+                <a16:creationId xmlns:a16="http://schemas.microsoft.com/office/drawing/2014/main" id="{66D82890-8EC5-8A47-B1B5-0DD7A21BB93F}"/>
+              </a:ext>
+            </a:extLst>
+          </p:cNvPr>
+          <p:cNvSpPr/>
+          <p:nvPr/>
+        </p:nvSpPr>
+        <p:spPr>
+          <a:xfrm rot="16200000">
+            <a:off x="9302944" y="-783453"/>
+            <a:ext cx="1205975" cy="3667667"/>
+          </a:xfrm>
+          <a:prstGeom prst="arc">
+            <a:avLst>
+              <a:gd name="adj1" fmla="val 18194769"/>
+              <a:gd name="adj2" fmla="val 2837171"/>
+            </a:avLst>
+          </a:prstGeom>
+          <a:ln w="107950" cap="rnd">
+            <a:solidFill>
+              <a:schemeClr val="bg2">
+                <a:lumMod val="50000"/>
+              </a:schemeClr>
+            </a:solidFill>
+            <a:round/>
+            <a:tailEnd type="stealth" w="med" len="med"/>
+          </a:ln>
+        </p:spPr>
+        <p:style>
+          <a:lnRef idx="1">
+            <a:schemeClr val="accent1"/>
+          </a:lnRef>
+          <a:fillRef idx="0">
+            <a:schemeClr val="accent1"/>
+          </a:fillRef>
+          <a:effectRef idx="0">
+            <a:schemeClr val="accent1"/>
+          </a:effectRef>
+          <a:fontRef idx="minor">
+            <a:schemeClr val="tx1"/>
+          </a:fontRef>
+        </p:style>
+        <p:txBody>
+          <a:bodyPr rtlCol="0" anchor="ctr"/>
+          <a:lstStyle/>
+          <a:p>
+            <a:pPr algn="ctr"/>
+            <a:endParaRPr lang="en-US"/>
+          </a:p>
+        </p:txBody>
+      </p:sp>
+      <p:sp>
+        <p:nvSpPr>
+          <p:cNvPr id="26" name="Pfeil nach rechts 25">
+            <a:extLst>
+              <a:ext uri="{FF2B5EF4-FFF2-40B4-BE49-F238E27FC236}">
+                <a16:creationId xmlns:a16="http://schemas.microsoft.com/office/drawing/2014/main" id="{85DE4388-AE75-1945-B459-45ADAC1BA8FE}"/>
+              </a:ext>
+            </a:extLst>
+          </p:cNvPr>
+          <p:cNvSpPr/>
+          <p:nvPr/>
+        </p:nvSpPr>
+        <p:spPr>
+          <a:xfrm>
+            <a:off x="1719072" y="2324612"/>
+            <a:ext cx="3023616" cy="646176"/>
+          </a:xfrm>
+          <a:prstGeom prst="rightArrow">
+            <a:avLst/>
+          </a:prstGeom>
+          <a:solidFill>
+            <a:schemeClr val="bg1">
+              <a:lumMod val="85000"/>
+            </a:schemeClr>
+          </a:solidFill>
+          <a:ln>
+            <a:noFill/>
+          </a:ln>
+        </p:spPr>
+        <p:style>
+          <a:lnRef idx="2">
+            <a:schemeClr val="accent1">
+              <a:shade val="50000"/>
+            </a:schemeClr>
+          </a:lnRef>
+          <a:fillRef idx="1">
+            <a:schemeClr val="accent1"/>
+          </a:fillRef>
+          <a:effectRef idx="0">
+            <a:schemeClr val="accent1"/>
+          </a:effectRef>
+          <a:fontRef idx="minor">
+            <a:schemeClr val="lt1"/>
+          </a:fontRef>
+        </p:style>
+        <p:txBody>
+          <a:bodyPr rtlCol="0" anchor="ctr"/>
+          <a:lstStyle/>
+          <a:p>
+            <a:pPr algn="ctr"/>
+            <a:r>
+              <a:rPr lang="en-US">
+                <a:solidFill>
+                  <a:schemeClr val="tx1"/>
+                </a:solidFill>
+                <a:latin typeface="DIN Condensed" pitchFamily="2" charset="0"/>
+              </a:rPr>
+              <a:t>Creativity &amp; Ideation</a:t>
+            </a:r>
+            <a:endParaRPr lang="en-US" dirty="0">
+              <a:solidFill>
+                <a:schemeClr val="tx1"/>
+              </a:solidFill>
+              <a:latin typeface="DIN Condensed" pitchFamily="2" charset="0"/>
+            </a:endParaRPr>
+          </a:p>
+        </p:txBody>
+      </p:sp>
+      <p:sp>
+        <p:nvSpPr>
+          <p:cNvPr id="27" name="Pfeil nach rechts 26">
+            <a:extLst>
+              <a:ext uri="{FF2B5EF4-FFF2-40B4-BE49-F238E27FC236}">
+                <a16:creationId xmlns:a16="http://schemas.microsoft.com/office/drawing/2014/main" id="{56ACC5D6-B7EE-1F47-9B4D-366A6902DDD9}"/>
+              </a:ext>
+            </a:extLst>
+          </p:cNvPr>
+          <p:cNvSpPr/>
+          <p:nvPr/>
+        </p:nvSpPr>
+        <p:spPr>
+          <a:xfrm>
+            <a:off x="2513422" y="2966850"/>
+            <a:ext cx="4045874" cy="646176"/>
+          </a:xfrm>
+          <a:prstGeom prst="rightArrow">
+            <a:avLst/>
+          </a:prstGeom>
+          <a:solidFill>
+            <a:schemeClr val="bg1">
+              <a:lumMod val="85000"/>
+            </a:schemeClr>
+          </a:solidFill>
+          <a:ln>
+            <a:noFill/>
+          </a:ln>
+        </p:spPr>
+        <p:style>
+          <a:lnRef idx="2">
+            <a:schemeClr val="accent1">
+              <a:shade val="50000"/>
+            </a:schemeClr>
+          </a:lnRef>
+          <a:fillRef idx="1">
+            <a:schemeClr val="accent1"/>
+          </a:fillRef>
+          <a:effectRef idx="0">
+            <a:schemeClr val="accent1"/>
+          </a:effectRef>
+          <a:fontRef idx="minor">
+            <a:schemeClr val="lt1"/>
+          </a:fontRef>
+        </p:style>
+        <p:txBody>
+          <a:bodyPr rtlCol="0" anchor="ctr"/>
+          <a:lstStyle/>
+          <a:p>
+            <a:pPr algn="ctr"/>
+            <a:r>
+              <a:rPr lang="en-US" dirty="0">
+                <a:solidFill>
+                  <a:schemeClr val="tx1"/>
+                </a:solidFill>
+                <a:latin typeface="DIN Condensed" pitchFamily="2" charset="0"/>
+              </a:rPr>
+              <a:t>Open Innovation</a:t>
+            </a:r>
+          </a:p>
+        </p:txBody>
+      </p:sp>
+      <p:sp>
+        <p:nvSpPr>
+          <p:cNvPr id="28" name="Pfeil nach rechts 27">
+            <a:extLst>
+              <a:ext uri="{FF2B5EF4-FFF2-40B4-BE49-F238E27FC236}">
+                <a16:creationId xmlns:a16="http://schemas.microsoft.com/office/drawing/2014/main" id="{9CA3BFDA-A175-E34D-AEFA-922B2269F507}"/>
+              </a:ext>
+            </a:extLst>
+          </p:cNvPr>
+          <p:cNvSpPr/>
+          <p:nvPr/>
+        </p:nvSpPr>
+        <p:spPr>
+          <a:xfrm>
+            <a:off x="2760860" y="3609088"/>
+            <a:ext cx="5208015" cy="646176"/>
+          </a:xfrm>
+          <a:prstGeom prst="rightArrow">
+            <a:avLst/>
+          </a:prstGeom>
+          <a:solidFill>
+            <a:schemeClr val="bg1">
+              <a:lumMod val="85000"/>
+            </a:schemeClr>
+          </a:solidFill>
+          <a:ln>
+            <a:noFill/>
+          </a:ln>
+        </p:spPr>
+        <p:style>
+          <a:lnRef idx="2">
+            <a:schemeClr val="accent1">
+              <a:shade val="50000"/>
+            </a:schemeClr>
+          </a:lnRef>
+          <a:fillRef idx="1">
+            <a:schemeClr val="accent1"/>
+          </a:fillRef>
+          <a:effectRef idx="0">
+            <a:schemeClr val="accent1"/>
+          </a:effectRef>
+          <a:fontRef idx="minor">
+            <a:schemeClr val="lt1"/>
+          </a:fontRef>
+        </p:style>
+        <p:txBody>
+          <a:bodyPr rtlCol="0" anchor="ctr"/>
+          <a:lstStyle/>
+          <a:p>
+            <a:pPr algn="ctr"/>
+            <a:r>
+              <a:rPr lang="en-US" dirty="0">
+                <a:solidFill>
+                  <a:schemeClr val="tx1"/>
+                </a:solidFill>
+                <a:latin typeface="DIN Condensed" pitchFamily="2" charset="0"/>
+              </a:rPr>
+              <a:t>Design Thinking</a:t>
+            </a:r>
+          </a:p>
+        </p:txBody>
+      </p:sp>
+      <p:sp>
+        <p:nvSpPr>
+          <p:cNvPr id="29" name="Pfeil nach rechts 28">
+            <a:extLst>
+              <a:ext uri="{FF2B5EF4-FFF2-40B4-BE49-F238E27FC236}">
+                <a16:creationId xmlns:a16="http://schemas.microsoft.com/office/drawing/2014/main" id="{B2DE35B0-DD14-D049-A835-821D2BFEC9CB}"/>
+              </a:ext>
+            </a:extLst>
+          </p:cNvPr>
+          <p:cNvSpPr/>
+          <p:nvPr/>
+        </p:nvSpPr>
+        <p:spPr>
+          <a:xfrm>
+            <a:off x="3923001" y="4251326"/>
+            <a:ext cx="4045874" cy="646176"/>
+          </a:xfrm>
+          <a:prstGeom prst="rightArrow">
+            <a:avLst/>
+          </a:prstGeom>
+          <a:solidFill>
+            <a:schemeClr val="accent1">
+              <a:lumMod val="60000"/>
+              <a:lumOff val="40000"/>
+            </a:schemeClr>
+          </a:solidFill>
+          <a:ln>
+            <a:solidFill>
+              <a:schemeClr val="accent1">
+                <a:lumMod val="50000"/>
+              </a:schemeClr>
+            </a:solidFill>
+            <a:prstDash val="dash"/>
+          </a:ln>
+        </p:spPr>
+        <p:style>
+          <a:lnRef idx="2">
+            <a:schemeClr val="accent1">
+              <a:shade val="50000"/>
+            </a:schemeClr>
+          </a:lnRef>
+          <a:fillRef idx="1">
+            <a:schemeClr val="accent1"/>
+          </a:fillRef>
+          <a:effectRef idx="0">
+            <a:schemeClr val="accent1"/>
+          </a:effectRef>
+          <a:fontRef idx="minor">
+            <a:schemeClr val="lt1"/>
+          </a:fontRef>
+        </p:style>
+        <p:txBody>
+          <a:bodyPr rtlCol="0" anchor="ctr"/>
+          <a:lstStyle/>
+          <a:p>
+            <a:pPr algn="ctr"/>
+            <a:r>
+              <a:rPr lang="en-US" dirty="0">
+                <a:solidFill>
+                  <a:schemeClr val="tx1"/>
+                </a:solidFill>
+                <a:latin typeface="DIN Condensed" pitchFamily="2" charset="0"/>
+              </a:rPr>
+              <a:t>Sprint</a:t>
+            </a:r>
+          </a:p>
+        </p:txBody>
+      </p:sp>
+      <p:sp>
+        <p:nvSpPr>
+          <p:cNvPr id="30" name="Pfeil nach rechts 29">
+            <a:extLst>
+              <a:ext uri="{FF2B5EF4-FFF2-40B4-BE49-F238E27FC236}">
+                <a16:creationId xmlns:a16="http://schemas.microsoft.com/office/drawing/2014/main" id="{B39D194C-9FAC-1B44-89D9-C489C7E4EAB0}"/>
+              </a:ext>
+            </a:extLst>
+          </p:cNvPr>
+          <p:cNvSpPr/>
+          <p:nvPr/>
+        </p:nvSpPr>
+        <p:spPr>
+          <a:xfrm>
+            <a:off x="6096000" y="4893564"/>
+            <a:ext cx="1729855" cy="646176"/>
+          </a:xfrm>
+          <a:prstGeom prst="rightArrow">
+            <a:avLst/>
+          </a:prstGeom>
+          <a:solidFill>
+            <a:schemeClr val="bg1">
+              <a:lumMod val="85000"/>
+            </a:schemeClr>
+          </a:solidFill>
+          <a:ln>
+            <a:noFill/>
+          </a:ln>
+        </p:spPr>
+        <p:style>
+          <a:lnRef idx="2">
+            <a:schemeClr val="accent1">
+              <a:shade val="50000"/>
+            </a:schemeClr>
+          </a:lnRef>
+          <a:fillRef idx="1">
+            <a:schemeClr val="accent1"/>
+          </a:fillRef>
+          <a:effectRef idx="0">
+            <a:schemeClr val="accent1"/>
+          </a:effectRef>
+          <a:fontRef idx="minor">
+            <a:schemeClr val="lt1"/>
+          </a:fontRef>
+        </p:style>
+        <p:txBody>
+          <a:bodyPr rtlCol="0" anchor="ctr"/>
+          <a:lstStyle/>
+          <a:p>
+            <a:pPr algn="ctr"/>
+            <a:r>
+              <a:rPr lang="en-US" dirty="0">
+                <a:solidFill>
+                  <a:schemeClr val="tx1"/>
+                </a:solidFill>
+                <a:latin typeface="DIN Condensed" pitchFamily="2" charset="0"/>
+              </a:rPr>
+              <a:t>Agile Software</a:t>
+            </a:r>
+          </a:p>
+        </p:txBody>
+      </p:sp>
+      <p:sp>
+        <p:nvSpPr>
+          <p:cNvPr id="31" name="Pfeil nach rechts 30">
+            <a:extLst>
+              <a:ext uri="{FF2B5EF4-FFF2-40B4-BE49-F238E27FC236}">
+                <a16:creationId xmlns:a16="http://schemas.microsoft.com/office/drawing/2014/main" id="{DD9BBDEC-B5E0-5D4A-B138-F1F07F3272FA}"/>
+              </a:ext>
+            </a:extLst>
+          </p:cNvPr>
+          <p:cNvSpPr/>
+          <p:nvPr/>
+        </p:nvSpPr>
+        <p:spPr>
+          <a:xfrm>
+            <a:off x="6097863" y="5535802"/>
+            <a:ext cx="2985177" cy="646176"/>
+          </a:xfrm>
+          <a:prstGeom prst="rightArrow">
+            <a:avLst/>
+          </a:prstGeom>
+          <a:solidFill>
+            <a:schemeClr val="accent1">
+              <a:lumMod val="60000"/>
+              <a:lumOff val="40000"/>
+            </a:schemeClr>
+          </a:solidFill>
+          <a:ln>
+            <a:noFill/>
+          </a:ln>
+        </p:spPr>
+        <p:style>
+          <a:lnRef idx="2">
+            <a:schemeClr val="accent1">
+              <a:shade val="50000"/>
+            </a:schemeClr>
+          </a:lnRef>
+          <a:fillRef idx="1">
+            <a:schemeClr val="accent1"/>
+          </a:fillRef>
+          <a:effectRef idx="0">
+            <a:schemeClr val="accent1"/>
+          </a:effectRef>
+          <a:fontRef idx="minor">
+            <a:schemeClr val="lt1"/>
+          </a:fontRef>
+        </p:style>
+        <p:txBody>
+          <a:bodyPr rtlCol="0" anchor="ctr"/>
+          <a:lstStyle/>
+          <a:p>
+            <a:pPr algn="ctr"/>
+            <a:r>
+              <a:rPr lang="en-US" dirty="0">
+                <a:solidFill>
+                  <a:schemeClr val="tx1"/>
+                </a:solidFill>
+                <a:latin typeface="DIN Condensed" pitchFamily="2" charset="0"/>
+              </a:rPr>
+              <a:t>Lean Startup</a:t>
+            </a:r>
+          </a:p>
+        </p:txBody>
+      </p:sp>
+      <p:sp>
+        <p:nvSpPr>
+          <p:cNvPr id="32" name="Pfeil nach rechts 31">
+            <a:extLst>
+              <a:ext uri="{FF2B5EF4-FFF2-40B4-BE49-F238E27FC236}">
+                <a16:creationId xmlns:a16="http://schemas.microsoft.com/office/drawing/2014/main" id="{82968969-CFAE-A844-9E2F-129D1BDE349D}"/>
+              </a:ext>
+            </a:extLst>
+          </p:cNvPr>
+          <p:cNvSpPr/>
+          <p:nvPr/>
+        </p:nvSpPr>
+        <p:spPr>
+          <a:xfrm>
+            <a:off x="7388352" y="6178040"/>
+            <a:ext cx="3316224" cy="646176"/>
+          </a:xfrm>
+          <a:prstGeom prst="rightArrow">
+            <a:avLst/>
+          </a:prstGeom>
+          <a:solidFill>
+            <a:schemeClr val="accent1">
+              <a:lumMod val="60000"/>
+              <a:lumOff val="40000"/>
+            </a:schemeClr>
+          </a:solidFill>
+          <a:ln>
+            <a:noFill/>
+          </a:ln>
+        </p:spPr>
+        <p:style>
+          <a:lnRef idx="2">
+            <a:schemeClr val="accent1">
+              <a:shade val="50000"/>
+            </a:schemeClr>
+          </a:lnRef>
+          <a:fillRef idx="1">
+            <a:schemeClr val="accent1"/>
+          </a:fillRef>
+          <a:effectRef idx="0">
+            <a:schemeClr val="accent1"/>
+          </a:effectRef>
+          <a:fontRef idx="minor">
+            <a:schemeClr val="lt1"/>
+          </a:fontRef>
+        </p:style>
+        <p:txBody>
+          <a:bodyPr rtlCol="0" anchor="ctr"/>
+          <a:lstStyle/>
+          <a:p>
+            <a:pPr algn="ctr"/>
+            <a:r>
+              <a:rPr lang="en-US" dirty="0">
+                <a:solidFill>
+                  <a:schemeClr val="tx1"/>
+                </a:solidFill>
+                <a:latin typeface="DIN Condensed" pitchFamily="2" charset="0"/>
+              </a:rPr>
+              <a:t>Business Model Canvas</a:t>
+            </a:r>
+          </a:p>
+        </p:txBody>
+      </p:sp>
+    </p:spTree>
+    <p:extLst>
+      <p:ext uri="{BB962C8B-B14F-4D97-AF65-F5344CB8AC3E}">
+        <p14:creationId xmlns:p14="http://schemas.microsoft.com/office/powerpoint/2010/main" val="1147984390"/>
+      </p:ext>
+    </p:extLst>
+  </p:cSld>
+  <p:clrMapOvr>
+    <a:masterClrMapping/>
+  </p:clrMapOvr>
+</p:sld>
+</file>
+
+<file path=ppt/slides/slide5.xml><?xml version="1.0" encoding="utf-8"?>
 <p:sld xmlns:a="http://schemas.openxmlformats.org/drawingml/2006/main" xmlns:r="http://schemas.openxmlformats.org/officeDocument/2006/relationships" xmlns:p="http://schemas.openxmlformats.org/presentationml/2006/main">
   <p:cSld>
     <p:spTree>
